--- a/Presentations/P3.1 - Ionic.pptx
+++ b/Presentations/P3.1 - Ionic.pptx
@@ -414,7 +414,7 @@
         <p:spPr>
           <a:xfrm>
             <a:off x="1143210" y="685800"/>
-            <a:ext cx="4572225" cy="3429000"/>
+            <a:ext cx="4572299" cy="3429000"/>
           </a:xfrm>
           <a:custGeom>
             <a:pathLst>
@@ -470,7 +470,7 @@
           </a:bodyPr>
           <a:lstStyle/>
           <a:p>
-            <a:pPr lvl="0">
+            <a:pPr lvl="0" rtl="0">
               <a:spcBef>
                 <a:spcPts val="0"/>
               </a:spcBef>
@@ -496,7 +496,7 @@
   <p:cSld>
     <p:spTree>
       <p:nvGrpSpPr>
-        <p:cNvPr id="64" name="Shape 64"/>
+        <p:cNvPr id="63" name="Shape 63"/>
         <p:cNvGrpSpPr/>
         <p:nvPr/>
       </p:nvGrpSpPr>
@@ -510,7 +510,7 @@
       </p:grpSpPr>
       <p:sp>
         <p:nvSpPr>
-          <p:cNvPr id="65" name="Shape 65"/>
+          <p:cNvPr id="64" name="Shape 64"/>
           <p:cNvSpPr/>
           <p:nvPr>
             <p:ph idx="2" type="sldImg"/>
@@ -554,7 +554,7 @@
       </p:sp>
       <p:sp>
         <p:nvSpPr>
-          <p:cNvPr id="66" name="Shape 66"/>
+          <p:cNvPr id="65" name="Shape 65"/>
           <p:cNvSpPr txBox="1"/>
           <p:nvPr>
             <p:ph idx="1" type="body"/>
@@ -601,7 +601,7 @@
   <p:cSld>
     <p:spTree>
       <p:nvGrpSpPr>
-        <p:cNvPr id="72" name="Shape 72"/>
+        <p:cNvPr id="71" name="Shape 71"/>
         <p:cNvGrpSpPr/>
         <p:nvPr/>
       </p:nvGrpSpPr>
@@ -615,7 +615,7 @@
       </p:grpSpPr>
       <p:sp>
         <p:nvSpPr>
-          <p:cNvPr id="73" name="Shape 73"/>
+          <p:cNvPr id="72" name="Shape 72"/>
           <p:cNvSpPr/>
           <p:nvPr>
             <p:ph idx="2" type="sldImg"/>
@@ -659,7 +659,7 @@
       </p:sp>
       <p:sp>
         <p:nvSpPr>
-          <p:cNvPr id="74" name="Shape 74"/>
+          <p:cNvPr id="73" name="Shape 73"/>
           <p:cNvSpPr txBox="1"/>
           <p:nvPr>
             <p:ph idx="1" type="body"/>
@@ -4382,8 +4382,8 @@
         </p:nvSpPr>
         <p:spPr>
           <a:xfrm>
-            <a:off x="0" y="1581825"/>
-            <a:ext cx="9144000" cy="2075700"/>
+            <a:off x="0" y="1429425"/>
+            <a:ext cx="9144000" cy="1046400"/>
           </a:xfrm>
           <a:prstGeom prst="rect">
             <a:avLst/>
@@ -4411,70 +4411,14 @@
                 <a:cs typeface="Open Sans"/>
                 <a:sym typeface="Open Sans"/>
               </a:rPr>
-              <a:t>Aplicacions mòbils amb </a:t>
-            </a:r>
-            <a:r>
-              <a:rPr lang="en" sz="7200">
-                <a:solidFill>
-                  <a:srgbClr val="FFFFFF"/>
-                </a:solidFill>
-                <a:latin typeface="Open Sans"/>
-                <a:ea typeface="Open Sans"/>
-                <a:cs typeface="Open Sans"/>
-                <a:sym typeface="Open Sans"/>
-              </a:rPr>
-              <a:t>        </a:t>
-            </a:r>
-          </a:p>
-        </p:txBody>
-      </p:sp>
-      <p:sp>
-        <p:nvSpPr>
-          <p:cNvPr id="60" name="Shape 60"/>
-          <p:cNvSpPr txBox="1"/>
-          <p:nvPr>
-            <p:ph idx="1" type="subTitle"/>
-          </p:nvPr>
-        </p:nvSpPr>
-        <p:spPr>
-          <a:xfrm>
-            <a:off x="0" y="4167750"/>
-            <a:ext cx="9144000" cy="1046400"/>
-          </a:xfrm>
-          <a:prstGeom prst="rect">
-            <a:avLst/>
-          </a:prstGeom>
-        </p:spPr>
-        <p:txBody>
-          <a:bodyPr anchorCtr="0" anchor="t" bIns="91425" lIns="91425" rIns="91425" tIns="91425">
-            <a:noAutofit/>
-          </a:bodyPr>
-          <a:lstStyle/>
-          <a:p>
-            <a:pPr lvl="0" rtl="0">
-              <a:spcBef>
-                <a:spcPts val="0"/>
-              </a:spcBef>
-              <a:buNone/>
-            </a:pPr>
-            <a:r>
-              <a:rPr lang="en">
-                <a:solidFill>
-                  <a:srgbClr val="FFFFFF"/>
-                </a:solidFill>
-                <a:latin typeface="Open Sans"/>
-                <a:ea typeface="Open Sans"/>
-                <a:cs typeface="Open Sans"/>
-                <a:sym typeface="Open Sans"/>
-              </a:rPr>
-              <a:t> </a:t>
+              <a:t>Apps mòbils amb</a:t>
             </a:r>
           </a:p>
         </p:txBody>
       </p:sp>
       <p:pic>
         <p:nvPicPr>
-          <p:cNvPr id="61" name="Shape 61"/>
+          <p:cNvPr id="60" name="Shape 60"/>
           <p:cNvPicPr preferRelativeResize="0"/>
           <p:nvPr/>
         </p:nvPicPr>
@@ -4488,7 +4432,7 @@
         </p:blipFill>
         <p:spPr>
           <a:xfrm>
-            <a:off x="4608092" y="2522199"/>
+            <a:off x="3066392" y="2603249"/>
             <a:ext cx="3011210" cy="1046400"/>
           </a:xfrm>
           <a:prstGeom prst="rect">
@@ -4502,7 +4446,7 @@
       </p:pic>
       <p:pic>
         <p:nvPicPr>
-          <p:cNvPr id="62" name="Shape 62"/>
+          <p:cNvPr id="61" name="Shape 61"/>
           <p:cNvPicPr preferRelativeResize="0"/>
           <p:nvPr/>
         </p:nvPicPr>
@@ -4528,24 +4472,16 @@
           </a:ln>
         </p:spPr>
       </p:pic>
-      <p:pic>
-        <p:nvPicPr>
-          <p:cNvPr id="63" name="Shape 63"/>
-          <p:cNvPicPr preferRelativeResize="0"/>
+      <p:sp>
+        <p:nvSpPr>
+          <p:cNvPr id="62" name="Shape 62"/>
+          <p:cNvSpPr txBox="1"/>
           <p:nvPr/>
-        </p:nvPicPr>
-        <p:blipFill>
-          <a:blip r:embed="rId3">
-            <a:alphaModFix/>
-          </a:blip>
-          <a:stretch>
-            <a:fillRect/>
-          </a:stretch>
-        </p:blipFill>
-        <p:spPr>
-          <a:xfrm>
-            <a:off x="2767051" y="4063725"/>
-            <a:ext cx="3609899" cy="1254450"/>
+        </p:nvSpPr>
+        <p:spPr>
+          <a:xfrm>
+            <a:off x="0" y="4167750"/>
+            <a:ext cx="9144000" cy="1046400"/>
           </a:xfrm>
           <a:prstGeom prst="rect">
             <a:avLst/>
@@ -4555,7 +4491,33 @@
             <a:noFill/>
           </a:ln>
         </p:spPr>
-      </p:pic>
+        <p:txBody>
+          <a:bodyPr anchorCtr="0" anchor="t" bIns="91425" lIns="91425" rIns="91425" tIns="91425">
+            <a:noAutofit/>
+          </a:bodyPr>
+          <a:lstStyle/>
+          <a:p>
+            <a:pPr lvl="0" rtl="0" algn="ctr">
+              <a:spcBef>
+                <a:spcPts val="0"/>
+              </a:spcBef>
+              <a:buNone/>
+            </a:pPr>
+            <a:r>
+              <a:rPr lang="en" sz="2800">
+                <a:solidFill>
+                  <a:srgbClr val="FFFFFF"/>
+                </a:solidFill>
+                <a:latin typeface="Open Sans"/>
+                <a:ea typeface="Open Sans"/>
+                <a:cs typeface="Open Sans"/>
+                <a:sym typeface="Open Sans"/>
+              </a:rPr>
+              <a:t>ionic</a:t>
+            </a:r>
+          </a:p>
+        </p:txBody>
+      </p:sp>
     </p:spTree>
   </p:cSld>
   <p:clrMapOvr>
@@ -4572,7 +4534,7 @@
   <p:cSld>
     <p:spTree>
       <p:nvGrpSpPr>
-        <p:cNvPr id="67" name="Shape 67"/>
+        <p:cNvPr id="66" name="Shape 66"/>
         <p:cNvGrpSpPr/>
         <p:nvPr/>
       </p:nvGrpSpPr>
@@ -4586,7 +4548,7 @@
       </p:grpSpPr>
       <p:sp>
         <p:nvSpPr>
-          <p:cNvPr id="68" name="Shape 68"/>
+          <p:cNvPr id="67" name="Shape 67"/>
           <p:cNvSpPr txBox="1"/>
           <p:nvPr>
             <p:ph idx="1" type="body"/>
@@ -4664,7 +4626,7 @@
       </p:sp>
       <p:sp>
         <p:nvSpPr>
-          <p:cNvPr id="69" name="Shape 69"/>
+          <p:cNvPr id="68" name="Shape 68"/>
           <p:cNvSpPr txBox="1"/>
           <p:nvPr>
             <p:ph idx="12" type="sldNum"/>
@@ -4700,7 +4662,7 @@
       </p:sp>
       <p:sp>
         <p:nvSpPr>
-          <p:cNvPr id="70" name="Shape 70"/>
+          <p:cNvPr id="69" name="Shape 69"/>
           <p:cNvSpPr txBox="1"/>
           <p:nvPr>
             <p:ph type="title"/>
@@ -4736,7 +4698,7 @@
       </p:sp>
       <p:sp>
         <p:nvSpPr>
-          <p:cNvPr id="71" name="Shape 71"/>
+          <p:cNvPr id="70" name="Shape 70"/>
           <p:cNvSpPr txBox="1"/>
           <p:nvPr>
             <p:ph idx="2" type="sldNum"/>
@@ -4793,7 +4755,7 @@
     </p:bg>
     <p:spTree>
       <p:nvGrpSpPr>
-        <p:cNvPr id="75" name="Shape 75"/>
+        <p:cNvPr id="74" name="Shape 74"/>
         <p:cNvGrpSpPr/>
         <p:nvPr/>
       </p:nvGrpSpPr>
@@ -4807,7 +4769,7 @@
       </p:grpSpPr>
       <p:sp>
         <p:nvSpPr>
-          <p:cNvPr id="76" name="Shape 76"/>
+          <p:cNvPr id="75" name="Shape 75"/>
           <p:cNvSpPr txBox="1"/>
           <p:nvPr>
             <p:ph type="title"/>
@@ -4851,7 +4813,7 @@
       </p:sp>
       <p:sp>
         <p:nvSpPr>
-          <p:cNvPr id="77" name="Shape 77"/>
+          <p:cNvPr id="76" name="Shape 76"/>
           <p:cNvSpPr txBox="1"/>
           <p:nvPr>
             <p:ph idx="12" type="sldNum"/>
@@ -4897,6 +4859,285 @@
 </file>
 
 <file path=ppt/theme/theme.xml><?xml version="1.0" encoding="utf-8"?>
+<a:theme xmlns:a="http://schemas.openxmlformats.org/drawingml/2006/main" xmlns:r="http://schemas.openxmlformats.org/officeDocument/2006/relationships" name="simple-light-2">
+  <a:themeElements>
+    <a:clrScheme name="Simple Light">
+      <a:dk1>
+        <a:srgbClr val="000000"/>
+      </a:dk1>
+      <a:lt1>
+        <a:srgbClr val="FFFFFF"/>
+      </a:lt1>
+      <a:dk2>
+        <a:srgbClr val="595959"/>
+      </a:dk2>
+      <a:lt2>
+        <a:srgbClr val="EEEEEE"/>
+      </a:lt2>
+      <a:accent1>
+        <a:srgbClr val="FFAB40"/>
+      </a:accent1>
+      <a:accent2>
+        <a:srgbClr val="212121"/>
+      </a:accent2>
+      <a:accent3>
+        <a:srgbClr val="78909C"/>
+      </a:accent3>
+      <a:accent4>
+        <a:srgbClr val="FFAB40"/>
+      </a:accent4>
+      <a:accent5>
+        <a:srgbClr val="0097A7"/>
+      </a:accent5>
+      <a:accent6>
+        <a:srgbClr val="EEFF41"/>
+      </a:accent6>
+      <a:hlink>
+        <a:srgbClr val="0097A7"/>
+      </a:hlink>
+      <a:folHlink>
+        <a:srgbClr val="0097A7"/>
+      </a:folHlink>
+    </a:clrScheme>
+    <a:fontScheme name="Office">
+      <a:majorFont>
+        <a:latin typeface="Arial"/>
+        <a:ea typeface=""/>
+        <a:cs typeface=""/>
+        <a:font script="Jpan" typeface="ＭＳ Ｐゴシック"/>
+        <a:font script="Hang" typeface="맑은 고딕"/>
+        <a:font script="Hans" typeface="宋体"/>
+        <a:font script="Hant" typeface="新細明體"/>
+        <a:font script="Arab" typeface="Times New Roman"/>
+        <a:font script="Hebr" typeface="Times New Roman"/>
+        <a:font script="Thai" typeface="Angsana New"/>
+        <a:font script="Ethi" typeface="Nyala"/>
+        <a:font script="Beng" typeface="Vrinda"/>
+        <a:font script="Gujr" typeface="Shruti"/>
+        <a:font script="Khmr" typeface="MoolBoran"/>
+        <a:font script="Knda" typeface="Tunga"/>
+        <a:font script="Guru" typeface="Raavi"/>
+        <a:font script="Cans" typeface="Euphemia"/>
+        <a:font script="Cher" typeface="Plantagenet Cherokee"/>
+        <a:font script="Yiii" typeface="Microsoft Yi Baiti"/>
+        <a:font script="Tibt" typeface="Microsoft Himalaya"/>
+        <a:font script="Thaa" typeface="MV Boli"/>
+        <a:font script="Deva" typeface="Mangal"/>
+        <a:font script="Telu" typeface="Gautami"/>
+        <a:font script="Taml" typeface="Latha"/>
+        <a:font script="Syrc" typeface="Estrangelo Edessa"/>
+        <a:font script="Orya" typeface="Kalinga"/>
+        <a:font script="Mlym" typeface="Kartika"/>
+        <a:font script="Laoo" typeface="DokChampa"/>
+        <a:font script="Sinh" typeface="Iskoola Pota"/>
+        <a:font script="Mong" typeface="Mongolian Baiti"/>
+        <a:font script="Viet" typeface="Times New Roman"/>
+        <a:font script="Uigh" typeface="Microsoft Uighur"/>
+        <a:font script="Geor" typeface="Sylfaen"/>
+      </a:majorFont>
+      <a:minorFont>
+        <a:latin typeface="Arial"/>
+        <a:ea typeface=""/>
+        <a:cs typeface=""/>
+        <a:font script="Jpan" typeface="ＭＳ Ｐゴシック"/>
+        <a:font script="Hang" typeface="맑은 고딕"/>
+        <a:font script="Hans" typeface="宋体"/>
+        <a:font script="Hant" typeface="新細明體"/>
+        <a:font script="Arab" typeface="Arial"/>
+        <a:font script="Hebr" typeface="Arial"/>
+        <a:font script="Thai" typeface="Cordia New"/>
+        <a:font script="Ethi" typeface="Nyala"/>
+        <a:font script="Beng" typeface="Vrinda"/>
+        <a:font script="Gujr" typeface="Shruti"/>
+        <a:font script="Khmr" typeface="DaunPenh"/>
+        <a:font script="Knda" typeface="Tunga"/>
+        <a:font script="Guru" typeface="Raavi"/>
+        <a:font script="Cans" typeface="Euphemia"/>
+        <a:font script="Cher" typeface="Plantagenet Cherokee"/>
+        <a:font script="Yiii" typeface="Microsoft Yi Baiti"/>
+        <a:font script="Tibt" typeface="Microsoft Himalaya"/>
+        <a:font script="Thaa" typeface="MV Boli"/>
+        <a:font script="Deva" typeface="Mangal"/>
+        <a:font script="Telu" typeface="Gautami"/>
+        <a:font script="Taml" typeface="Latha"/>
+        <a:font script="Syrc" typeface="Estrangelo Edessa"/>
+        <a:font script="Orya" typeface="Kalinga"/>
+        <a:font script="Mlym" typeface="Kartika"/>
+        <a:font script="Laoo" typeface="DokChampa"/>
+        <a:font script="Sinh" typeface="Iskoola Pota"/>
+        <a:font script="Mong" typeface="Mongolian Baiti"/>
+        <a:font script="Viet" typeface="Arial"/>
+        <a:font script="Uigh" typeface="Microsoft Uighur"/>
+        <a:font script="Geor" typeface="Sylfaen"/>
+      </a:minorFont>
+    </a:fontScheme>
+    <a:fmtScheme name="Office">
+      <a:fillStyleLst>
+        <a:solidFill>
+          <a:schemeClr val="phClr"/>
+        </a:solidFill>
+        <a:gradFill rotWithShape="1">
+          <a:gsLst>
+            <a:gs pos="0">
+              <a:schemeClr val="phClr">
+                <a:tint val="50000"/>
+                <a:satMod val="300000"/>
+              </a:schemeClr>
+            </a:gs>
+            <a:gs pos="35000">
+              <a:schemeClr val="phClr">
+                <a:tint val="37000"/>
+                <a:satMod val="300000"/>
+              </a:schemeClr>
+            </a:gs>
+            <a:gs pos="100000">
+              <a:schemeClr val="phClr">
+                <a:tint val="15000"/>
+                <a:satMod val="350000"/>
+              </a:schemeClr>
+            </a:gs>
+          </a:gsLst>
+          <a:lin ang="16200000" scaled="1"/>
+        </a:gradFill>
+        <a:gradFill rotWithShape="1">
+          <a:gsLst>
+            <a:gs pos="0">
+              <a:schemeClr val="phClr">
+                <a:tint val="100000"/>
+                <a:shade val="100000"/>
+                <a:satMod val="130000"/>
+              </a:schemeClr>
+            </a:gs>
+            <a:gs pos="100000">
+              <a:schemeClr val="phClr">
+                <a:tint val="50000"/>
+                <a:shade val="100000"/>
+                <a:satMod val="350000"/>
+              </a:schemeClr>
+            </a:gs>
+          </a:gsLst>
+          <a:lin ang="16200000" scaled="0"/>
+        </a:gradFill>
+      </a:fillStyleLst>
+      <a:lnStyleLst>
+        <a:ln w="9525" cap="flat" cmpd="sng" algn="ctr">
+          <a:solidFill>
+            <a:schemeClr val="phClr">
+              <a:shade val="95000"/>
+              <a:satMod val="105000"/>
+            </a:schemeClr>
+          </a:solidFill>
+          <a:prstDash val="solid"/>
+        </a:ln>
+        <a:ln w="25400" cap="flat" cmpd="sng" algn="ctr">
+          <a:solidFill>
+            <a:schemeClr val="phClr"/>
+          </a:solidFill>
+          <a:prstDash val="solid"/>
+        </a:ln>
+        <a:ln w="38100" cap="flat" cmpd="sng" algn="ctr">
+          <a:solidFill>
+            <a:schemeClr val="phClr"/>
+          </a:solidFill>
+          <a:prstDash val="solid"/>
+        </a:ln>
+      </a:lnStyleLst>
+      <a:effectStyleLst>
+        <a:effectStyle>
+          <a:effectLst>
+            <a:outerShdw blurRad="40000" dist="20000" dir="5400000" rotWithShape="0">
+              <a:srgbClr val="000000">
+                <a:alpha val="38000"/>
+              </a:srgbClr>
+            </a:outerShdw>
+          </a:effectLst>
+        </a:effectStyle>
+        <a:effectStyle>
+          <a:effectLst>
+            <a:outerShdw blurRad="40000" dist="23000" dir="5400000" rotWithShape="0">
+              <a:srgbClr val="000000">
+                <a:alpha val="35000"/>
+              </a:srgbClr>
+            </a:outerShdw>
+          </a:effectLst>
+        </a:effectStyle>
+        <a:effectStyle>
+          <a:effectLst>
+            <a:outerShdw blurRad="40000" dist="23000" dir="5400000" rotWithShape="0">
+              <a:srgbClr val="000000">
+                <a:alpha val="35000"/>
+              </a:srgbClr>
+            </a:outerShdw>
+          </a:effectLst>
+          <a:scene3d>
+            <a:camera prst="orthographicFront">
+              <a:rot lat="0" lon="0" rev="0"/>
+            </a:camera>
+            <a:lightRig rig="threePt" dir="t">
+              <a:rot lat="0" lon="0" rev="1200000"/>
+            </a:lightRig>
+          </a:scene3d>
+          <a:sp3d>
+            <a:bevelT w="63500" h="25400"/>
+          </a:sp3d>
+        </a:effectStyle>
+      </a:effectStyleLst>
+      <a:bgFillStyleLst>
+        <a:solidFill>
+          <a:schemeClr val="phClr"/>
+        </a:solidFill>
+        <a:gradFill rotWithShape="1">
+          <a:gsLst>
+            <a:gs pos="0">
+              <a:schemeClr val="phClr">
+                <a:tint val="40000"/>
+                <a:satMod val="350000"/>
+              </a:schemeClr>
+            </a:gs>
+            <a:gs pos="40000">
+              <a:schemeClr val="phClr">
+                <a:tint val="45000"/>
+                <a:shade val="99000"/>
+                <a:satMod val="350000"/>
+              </a:schemeClr>
+            </a:gs>
+            <a:gs pos="100000">
+              <a:schemeClr val="phClr">
+                <a:shade val="20000"/>
+                <a:satMod val="255000"/>
+              </a:schemeClr>
+            </a:gs>
+          </a:gsLst>
+          <a:path path="circle">
+            <a:fillToRect l="50000" t="-80000" r="50000" b="180000"/>
+          </a:path>
+        </a:gradFill>
+        <a:gradFill rotWithShape="1">
+          <a:gsLst>
+            <a:gs pos="0">
+              <a:schemeClr val="phClr">
+                <a:tint val="80000"/>
+                <a:satMod val="300000"/>
+              </a:schemeClr>
+            </a:gs>
+            <a:gs pos="100000">
+              <a:schemeClr val="phClr">
+                <a:shade val="30000"/>
+                <a:satMod val="200000"/>
+              </a:schemeClr>
+            </a:gs>
+          </a:gsLst>
+          <a:path path="circle">
+            <a:fillToRect l="50000" t="50000" r="50000" b="50000"/>
+          </a:path>
+        </a:gradFill>
+      </a:bgFillStyleLst>
+    </a:fmtScheme>
+  </a:themeElements>
+</a:theme>
+</file>
+
+<file path=ppt/theme/theme1.xml><?xml version="1.0" encoding="utf-8"?>
 <a:theme xmlns:a="http://schemas.openxmlformats.org/drawingml/2006/main" xmlns:r="http://schemas.openxmlformats.org/officeDocument/2006/relationships" name="Custom Theme">
   <a:themeElements>
     <a:clrScheme name="Default">
@@ -5173,283 +5414,4 @@
     </a:fmtScheme>
   </a:themeElements>
 </a:theme>
-</file>
-
-<file path=ppt/theme/theme1.xml><?xml version="1.0" encoding="utf-8"?>
-<a:theme xmlns:a="http://schemas.openxmlformats.org/drawingml/2006/main" xmlns:r="http://schemas.openxmlformats.org/officeDocument/2006/relationships" name="simple-light-2">
-  <a:themeElements>
-    <a:clrScheme name="Simple Light">
-      <a:dk1>
-        <a:srgbClr val="000000"/>
-      </a:dk1>
-      <a:lt1>
-        <a:srgbClr val="FFFFFF"/>
-      </a:lt1>
-      <a:dk2>
-        <a:srgbClr val="595959"/>
-      </a:dk2>
-      <a:lt2>
-        <a:srgbClr val="EEEEEE"/>
-      </a:lt2>
-      <a:accent1>
-        <a:srgbClr val="FFAB40"/>
-      </a:accent1>
-      <a:accent2>
-        <a:srgbClr val="212121"/>
-      </a:accent2>
-      <a:accent3>
-        <a:srgbClr val="78909C"/>
-      </a:accent3>
-      <a:accent4>
-        <a:srgbClr val="FFAB40"/>
-      </a:accent4>
-      <a:accent5>
-        <a:srgbClr val="0097A7"/>
-      </a:accent5>
-      <a:accent6>
-        <a:srgbClr val="EEFF41"/>
-      </a:accent6>
-      <a:hlink>
-        <a:srgbClr val="0097A7"/>
-      </a:hlink>
-      <a:folHlink>
-        <a:srgbClr val="0097A7"/>
-      </a:folHlink>
-    </a:clrScheme>
-    <a:fontScheme name="Office">
-      <a:majorFont>
-        <a:latin typeface="Arial"/>
-        <a:ea typeface=""/>
-        <a:cs typeface=""/>
-        <a:font script="Jpan" typeface="ＭＳ Ｐゴシック"/>
-        <a:font script="Hang" typeface="맑은 고딕"/>
-        <a:font script="Hans" typeface="宋体"/>
-        <a:font script="Hant" typeface="新細明體"/>
-        <a:font script="Arab" typeface="Times New Roman"/>
-        <a:font script="Hebr" typeface="Times New Roman"/>
-        <a:font script="Thai" typeface="Angsana New"/>
-        <a:font script="Ethi" typeface="Nyala"/>
-        <a:font script="Beng" typeface="Vrinda"/>
-        <a:font script="Gujr" typeface="Shruti"/>
-        <a:font script="Khmr" typeface="MoolBoran"/>
-        <a:font script="Knda" typeface="Tunga"/>
-        <a:font script="Guru" typeface="Raavi"/>
-        <a:font script="Cans" typeface="Euphemia"/>
-        <a:font script="Cher" typeface="Plantagenet Cherokee"/>
-        <a:font script="Yiii" typeface="Microsoft Yi Baiti"/>
-        <a:font script="Tibt" typeface="Microsoft Himalaya"/>
-        <a:font script="Thaa" typeface="MV Boli"/>
-        <a:font script="Deva" typeface="Mangal"/>
-        <a:font script="Telu" typeface="Gautami"/>
-        <a:font script="Taml" typeface="Latha"/>
-        <a:font script="Syrc" typeface="Estrangelo Edessa"/>
-        <a:font script="Orya" typeface="Kalinga"/>
-        <a:font script="Mlym" typeface="Kartika"/>
-        <a:font script="Laoo" typeface="DokChampa"/>
-        <a:font script="Sinh" typeface="Iskoola Pota"/>
-        <a:font script="Mong" typeface="Mongolian Baiti"/>
-        <a:font script="Viet" typeface="Times New Roman"/>
-        <a:font script="Uigh" typeface="Microsoft Uighur"/>
-        <a:font script="Geor" typeface="Sylfaen"/>
-      </a:majorFont>
-      <a:minorFont>
-        <a:latin typeface="Arial"/>
-        <a:ea typeface=""/>
-        <a:cs typeface=""/>
-        <a:font script="Jpan" typeface="ＭＳ Ｐゴシック"/>
-        <a:font script="Hang" typeface="맑은 고딕"/>
-        <a:font script="Hans" typeface="宋体"/>
-        <a:font script="Hant" typeface="新細明體"/>
-        <a:font script="Arab" typeface="Arial"/>
-        <a:font script="Hebr" typeface="Arial"/>
-        <a:font script="Thai" typeface="Cordia New"/>
-        <a:font script="Ethi" typeface="Nyala"/>
-        <a:font script="Beng" typeface="Vrinda"/>
-        <a:font script="Gujr" typeface="Shruti"/>
-        <a:font script="Khmr" typeface="DaunPenh"/>
-        <a:font script="Knda" typeface="Tunga"/>
-        <a:font script="Guru" typeface="Raavi"/>
-        <a:font script="Cans" typeface="Euphemia"/>
-        <a:font script="Cher" typeface="Plantagenet Cherokee"/>
-        <a:font script="Yiii" typeface="Microsoft Yi Baiti"/>
-        <a:font script="Tibt" typeface="Microsoft Himalaya"/>
-        <a:font script="Thaa" typeface="MV Boli"/>
-        <a:font script="Deva" typeface="Mangal"/>
-        <a:font script="Telu" typeface="Gautami"/>
-        <a:font script="Taml" typeface="Latha"/>
-        <a:font script="Syrc" typeface="Estrangelo Edessa"/>
-        <a:font script="Orya" typeface="Kalinga"/>
-        <a:font script="Mlym" typeface="Kartika"/>
-        <a:font script="Laoo" typeface="DokChampa"/>
-        <a:font script="Sinh" typeface="Iskoola Pota"/>
-        <a:font script="Mong" typeface="Mongolian Baiti"/>
-        <a:font script="Viet" typeface="Arial"/>
-        <a:font script="Uigh" typeface="Microsoft Uighur"/>
-        <a:font script="Geor" typeface="Sylfaen"/>
-      </a:minorFont>
-    </a:fontScheme>
-    <a:fmtScheme name="Office">
-      <a:fillStyleLst>
-        <a:solidFill>
-          <a:schemeClr val="phClr"/>
-        </a:solidFill>
-        <a:gradFill rotWithShape="1">
-          <a:gsLst>
-            <a:gs pos="0">
-              <a:schemeClr val="phClr">
-                <a:tint val="50000"/>
-                <a:satMod val="300000"/>
-              </a:schemeClr>
-            </a:gs>
-            <a:gs pos="35000">
-              <a:schemeClr val="phClr">
-                <a:tint val="37000"/>
-                <a:satMod val="300000"/>
-              </a:schemeClr>
-            </a:gs>
-            <a:gs pos="100000">
-              <a:schemeClr val="phClr">
-                <a:tint val="15000"/>
-                <a:satMod val="350000"/>
-              </a:schemeClr>
-            </a:gs>
-          </a:gsLst>
-          <a:lin ang="16200000" scaled="1"/>
-        </a:gradFill>
-        <a:gradFill rotWithShape="1">
-          <a:gsLst>
-            <a:gs pos="0">
-              <a:schemeClr val="phClr">
-                <a:tint val="100000"/>
-                <a:shade val="100000"/>
-                <a:satMod val="130000"/>
-              </a:schemeClr>
-            </a:gs>
-            <a:gs pos="100000">
-              <a:schemeClr val="phClr">
-                <a:tint val="50000"/>
-                <a:shade val="100000"/>
-                <a:satMod val="350000"/>
-              </a:schemeClr>
-            </a:gs>
-          </a:gsLst>
-          <a:lin ang="16200000" scaled="0"/>
-        </a:gradFill>
-      </a:fillStyleLst>
-      <a:lnStyleLst>
-        <a:ln w="9525" cap="flat" cmpd="sng" algn="ctr">
-          <a:solidFill>
-            <a:schemeClr val="phClr">
-              <a:shade val="95000"/>
-              <a:satMod val="105000"/>
-            </a:schemeClr>
-          </a:solidFill>
-          <a:prstDash val="solid"/>
-        </a:ln>
-        <a:ln w="25400" cap="flat" cmpd="sng" algn="ctr">
-          <a:solidFill>
-            <a:schemeClr val="phClr"/>
-          </a:solidFill>
-          <a:prstDash val="solid"/>
-        </a:ln>
-        <a:ln w="38100" cap="flat" cmpd="sng" algn="ctr">
-          <a:solidFill>
-            <a:schemeClr val="phClr"/>
-          </a:solidFill>
-          <a:prstDash val="solid"/>
-        </a:ln>
-      </a:lnStyleLst>
-      <a:effectStyleLst>
-        <a:effectStyle>
-          <a:effectLst>
-            <a:outerShdw blurRad="40000" dist="20000" dir="5400000" rotWithShape="0">
-              <a:srgbClr val="000000">
-                <a:alpha val="38000"/>
-              </a:srgbClr>
-            </a:outerShdw>
-          </a:effectLst>
-        </a:effectStyle>
-        <a:effectStyle>
-          <a:effectLst>
-            <a:outerShdw blurRad="40000" dist="23000" dir="5400000" rotWithShape="0">
-              <a:srgbClr val="000000">
-                <a:alpha val="35000"/>
-              </a:srgbClr>
-            </a:outerShdw>
-          </a:effectLst>
-        </a:effectStyle>
-        <a:effectStyle>
-          <a:effectLst>
-            <a:outerShdw blurRad="40000" dist="23000" dir="5400000" rotWithShape="0">
-              <a:srgbClr val="000000">
-                <a:alpha val="35000"/>
-              </a:srgbClr>
-            </a:outerShdw>
-          </a:effectLst>
-          <a:scene3d>
-            <a:camera prst="orthographicFront">
-              <a:rot lat="0" lon="0" rev="0"/>
-            </a:camera>
-            <a:lightRig rig="threePt" dir="t">
-              <a:rot lat="0" lon="0" rev="1200000"/>
-            </a:lightRig>
-          </a:scene3d>
-          <a:sp3d>
-            <a:bevelT w="63500" h="25400"/>
-          </a:sp3d>
-        </a:effectStyle>
-      </a:effectStyleLst>
-      <a:bgFillStyleLst>
-        <a:solidFill>
-          <a:schemeClr val="phClr"/>
-        </a:solidFill>
-        <a:gradFill rotWithShape="1">
-          <a:gsLst>
-            <a:gs pos="0">
-              <a:schemeClr val="phClr">
-                <a:tint val="40000"/>
-                <a:satMod val="350000"/>
-              </a:schemeClr>
-            </a:gs>
-            <a:gs pos="40000">
-              <a:schemeClr val="phClr">
-                <a:tint val="45000"/>
-                <a:shade val="99000"/>
-                <a:satMod val="350000"/>
-              </a:schemeClr>
-            </a:gs>
-            <a:gs pos="100000">
-              <a:schemeClr val="phClr">
-                <a:shade val="20000"/>
-                <a:satMod val="255000"/>
-              </a:schemeClr>
-            </a:gs>
-          </a:gsLst>
-          <a:path path="circle">
-            <a:fillToRect l="50000" t="-80000" r="50000" b="180000"/>
-          </a:path>
-        </a:gradFill>
-        <a:gradFill rotWithShape="1">
-          <a:gsLst>
-            <a:gs pos="0">
-              <a:schemeClr val="phClr">
-                <a:tint val="80000"/>
-                <a:satMod val="300000"/>
-              </a:schemeClr>
-            </a:gs>
-            <a:gs pos="100000">
-              <a:schemeClr val="phClr">
-                <a:shade val="30000"/>
-                <a:satMod val="200000"/>
-              </a:schemeClr>
-            </a:gs>
-          </a:gsLst>
-          <a:path path="circle">
-            <a:fillToRect l="50000" t="50000" r="50000" b="50000"/>
-          </a:path>
-        </a:gradFill>
-      </a:bgFillStyleLst>
-    </a:fmtScheme>
-  </a:themeElements>
-</a:theme>
 </file>
--- a/Presentations/P3.1 - Ionic.pptx
+++ b/Presentations/P3.1 - Ionic.pptx
@@ -435,16 +435,6 @@
               </a:path>
             </a:pathLst>
           </a:custGeom>
-          <a:noFill/>
-          <a:ln cap="flat" cmpd="sng" w="9525">
-            <a:solidFill>
-              <a:srgbClr val="000000"/>
-            </a:solidFill>
-            <a:prstDash val="solid"/>
-            <a:round/>
-            <a:headEnd len="med" w="med" type="none"/>
-            <a:tailEnd len="med" w="med" type="none"/>
-          </a:ln>
         </p:spPr>
       </p:sp>
       <p:sp>
@@ -540,16 +530,6 @@
               </a:path>
             </a:pathLst>
           </a:custGeom>
-          <a:noFill/>
-          <a:ln cap="flat" cmpd="sng" w="9525">
-            <a:solidFill>
-              <a:srgbClr val="000000"/>
-            </a:solidFill>
-            <a:prstDash val="solid"/>
-            <a:round/>
-            <a:headEnd len="med" w="med" type="none"/>
-            <a:tailEnd len="med" w="med" type="none"/>
-          </a:ln>
         </p:spPr>
       </p:sp>
       <p:sp>
@@ -645,16 +625,6 @@
               </a:path>
             </a:pathLst>
           </a:custGeom>
-          <a:noFill/>
-          <a:ln cap="flat" cmpd="sng" w="9525">
-            <a:solidFill>
-              <a:srgbClr val="000000"/>
-            </a:solidFill>
-            <a:prstDash val="solid"/>
-            <a:round/>
-            <a:headEnd len="med" w="med" type="none"/>
-            <a:tailEnd len="med" w="med" type="none"/>
-          </a:ln>
         </p:spPr>
       </p:sp>
       <p:sp>
@@ -1001,7 +971,7 @@
 
 <file path=ppt/slideLayouts/slideLayout1.xml><?xml version="1.0" encoding="utf-8"?>
 <p:sldLayout xmlns:a="http://schemas.openxmlformats.org/drawingml/2006/main" xmlns:r="http://schemas.openxmlformats.org/officeDocument/2006/relationships" xmlns:mc="http://schemas.openxmlformats.org/markup-compatibility/2006" xmlns:mv="urn:schemas-microsoft-com:mac:vml" xmlns:p="http://schemas.openxmlformats.org/presentationml/2006/main" xmlns:c="http://schemas.openxmlformats.org/drawingml/2006/chart" xmlns:dgm="http://schemas.openxmlformats.org/drawingml/2006/diagram" xmlns:o="urn:schemas-microsoft-com:office:office" xmlns:v="urn:schemas-microsoft-com:vml" xmlns:pvml="urn:schemas-microsoft-com:office:powerpoint" xmlns:com="http://schemas.openxmlformats.org/drawingml/2006/compatibility" xmlns:p14="http://schemas.microsoft.com/office/powerpoint/2010/main" type="secHead">
-  <p:cSld name="Section title">
+  <p:cSld name="Section header">
     <p:spTree>
       <p:nvGrpSpPr>
         <p:cNvPr id="13" name="Shape 13"/>
@@ -4859,6 +4829,285 @@
 </file>
 
 <file path=ppt/theme/theme.xml><?xml version="1.0" encoding="utf-8"?>
+<a:theme xmlns:a="http://schemas.openxmlformats.org/drawingml/2006/main" xmlns:r="http://schemas.openxmlformats.org/officeDocument/2006/relationships" name="Custom Theme">
+  <a:themeElements>
+    <a:clrScheme name="Default">
+      <a:dk1>
+        <a:srgbClr val="000000"/>
+      </a:dk1>
+      <a:lt1>
+        <a:srgbClr val="FFFFFF"/>
+      </a:lt1>
+      <a:dk2>
+        <a:srgbClr val="158158"/>
+      </a:dk2>
+      <a:lt2>
+        <a:srgbClr val="F3F3F3"/>
+      </a:lt2>
+      <a:accent1>
+        <a:srgbClr val="058DC7"/>
+      </a:accent1>
+      <a:accent2>
+        <a:srgbClr val="50B432"/>
+      </a:accent2>
+      <a:accent3>
+        <a:srgbClr val="ED561B"/>
+      </a:accent3>
+      <a:accent4>
+        <a:srgbClr val="EDEF00"/>
+      </a:accent4>
+      <a:accent5>
+        <a:srgbClr val="24CBE5"/>
+      </a:accent5>
+      <a:accent6>
+        <a:srgbClr val="64E572"/>
+      </a:accent6>
+      <a:hlink>
+        <a:srgbClr val="2200CC"/>
+      </a:hlink>
+      <a:folHlink>
+        <a:srgbClr val="551A8B"/>
+      </a:folHlink>
+    </a:clrScheme>
+    <a:fontScheme name="Office">
+      <a:majorFont>
+        <a:latin typeface="Arial"/>
+        <a:ea typeface=""/>
+        <a:cs typeface=""/>
+        <a:font script="Jpan" typeface="ＭＳ Ｐゴシック"/>
+        <a:font script="Hang" typeface="맑은 고딕"/>
+        <a:font script="Hans" typeface="宋体"/>
+        <a:font script="Hant" typeface="新細明體"/>
+        <a:font script="Arab" typeface="Times New Roman"/>
+        <a:font script="Hebr" typeface="Times New Roman"/>
+        <a:font script="Thai" typeface="Angsana New"/>
+        <a:font script="Ethi" typeface="Nyala"/>
+        <a:font script="Beng" typeface="Vrinda"/>
+        <a:font script="Gujr" typeface="Shruti"/>
+        <a:font script="Khmr" typeface="MoolBoran"/>
+        <a:font script="Knda" typeface="Tunga"/>
+        <a:font script="Guru" typeface="Raavi"/>
+        <a:font script="Cans" typeface="Euphemia"/>
+        <a:font script="Cher" typeface="Plantagenet Cherokee"/>
+        <a:font script="Yiii" typeface="Microsoft Yi Baiti"/>
+        <a:font script="Tibt" typeface="Microsoft Himalaya"/>
+        <a:font script="Thaa" typeface="MV Boli"/>
+        <a:font script="Deva" typeface="Mangal"/>
+        <a:font script="Telu" typeface="Gautami"/>
+        <a:font script="Taml" typeface="Latha"/>
+        <a:font script="Syrc" typeface="Estrangelo Edessa"/>
+        <a:font script="Orya" typeface="Kalinga"/>
+        <a:font script="Mlym" typeface="Kartika"/>
+        <a:font script="Laoo" typeface="DokChampa"/>
+        <a:font script="Sinh" typeface="Iskoola Pota"/>
+        <a:font script="Mong" typeface="Mongolian Baiti"/>
+        <a:font script="Viet" typeface="Times New Roman"/>
+        <a:font script="Uigh" typeface="Microsoft Uighur"/>
+        <a:font script="Geor" typeface="Sylfaen"/>
+      </a:majorFont>
+      <a:minorFont>
+        <a:latin typeface="Arial"/>
+        <a:ea typeface=""/>
+        <a:cs typeface=""/>
+        <a:font script="Jpan" typeface="ＭＳ Ｐゴシック"/>
+        <a:font script="Hang" typeface="맑은 고딕"/>
+        <a:font script="Hans" typeface="宋体"/>
+        <a:font script="Hant" typeface="新細明體"/>
+        <a:font script="Arab" typeface="Arial"/>
+        <a:font script="Hebr" typeface="Arial"/>
+        <a:font script="Thai" typeface="Cordia New"/>
+        <a:font script="Ethi" typeface="Nyala"/>
+        <a:font script="Beng" typeface="Vrinda"/>
+        <a:font script="Gujr" typeface="Shruti"/>
+        <a:font script="Khmr" typeface="DaunPenh"/>
+        <a:font script="Knda" typeface="Tunga"/>
+        <a:font script="Guru" typeface="Raavi"/>
+        <a:font script="Cans" typeface="Euphemia"/>
+        <a:font script="Cher" typeface="Plantagenet Cherokee"/>
+        <a:font script="Yiii" typeface="Microsoft Yi Baiti"/>
+        <a:font script="Tibt" typeface="Microsoft Himalaya"/>
+        <a:font script="Thaa" typeface="MV Boli"/>
+        <a:font script="Deva" typeface="Mangal"/>
+        <a:font script="Telu" typeface="Gautami"/>
+        <a:font script="Taml" typeface="Latha"/>
+        <a:font script="Syrc" typeface="Estrangelo Edessa"/>
+        <a:font script="Orya" typeface="Kalinga"/>
+        <a:font script="Mlym" typeface="Kartika"/>
+        <a:font script="Laoo" typeface="DokChampa"/>
+        <a:font script="Sinh" typeface="Iskoola Pota"/>
+        <a:font script="Mong" typeface="Mongolian Baiti"/>
+        <a:font script="Viet" typeface="Arial"/>
+        <a:font script="Uigh" typeface="Microsoft Uighur"/>
+        <a:font script="Geor" typeface="Sylfaen"/>
+      </a:minorFont>
+    </a:fontScheme>
+    <a:fmtScheme name="Office">
+      <a:fillStyleLst>
+        <a:solidFill>
+          <a:schemeClr val="phClr"/>
+        </a:solidFill>
+        <a:gradFill rotWithShape="1">
+          <a:gsLst>
+            <a:gs pos="0">
+              <a:schemeClr val="phClr">
+                <a:tint val="50000"/>
+                <a:satMod val="300000"/>
+              </a:schemeClr>
+            </a:gs>
+            <a:gs pos="35000">
+              <a:schemeClr val="phClr">
+                <a:tint val="37000"/>
+                <a:satMod val="300000"/>
+              </a:schemeClr>
+            </a:gs>
+            <a:gs pos="100000">
+              <a:schemeClr val="phClr">
+                <a:tint val="15000"/>
+                <a:satMod val="350000"/>
+              </a:schemeClr>
+            </a:gs>
+          </a:gsLst>
+          <a:lin ang="16200000" scaled="1"/>
+        </a:gradFill>
+        <a:gradFill rotWithShape="1">
+          <a:gsLst>
+            <a:gs pos="0">
+              <a:schemeClr val="phClr">
+                <a:tint val="100000"/>
+                <a:shade val="100000"/>
+                <a:satMod val="130000"/>
+              </a:schemeClr>
+            </a:gs>
+            <a:gs pos="100000">
+              <a:schemeClr val="phClr">
+                <a:tint val="50000"/>
+                <a:shade val="100000"/>
+                <a:satMod val="350000"/>
+              </a:schemeClr>
+            </a:gs>
+          </a:gsLst>
+          <a:lin ang="16200000" scaled="0"/>
+        </a:gradFill>
+      </a:fillStyleLst>
+      <a:lnStyleLst>
+        <a:ln w="9525" cap="flat" cmpd="sng" algn="ctr">
+          <a:solidFill>
+            <a:schemeClr val="phClr">
+              <a:shade val="95000"/>
+              <a:satMod val="105000"/>
+            </a:schemeClr>
+          </a:solidFill>
+          <a:prstDash val="solid"/>
+        </a:ln>
+        <a:ln w="25400" cap="flat" cmpd="sng" algn="ctr">
+          <a:solidFill>
+            <a:schemeClr val="phClr"/>
+          </a:solidFill>
+          <a:prstDash val="solid"/>
+        </a:ln>
+        <a:ln w="38100" cap="flat" cmpd="sng" algn="ctr">
+          <a:solidFill>
+            <a:schemeClr val="phClr"/>
+          </a:solidFill>
+          <a:prstDash val="solid"/>
+        </a:ln>
+      </a:lnStyleLst>
+      <a:effectStyleLst>
+        <a:effectStyle>
+          <a:effectLst>
+            <a:outerShdw blurRad="40000" dist="20000" dir="5400000" rotWithShape="0">
+              <a:srgbClr val="000000">
+                <a:alpha val="38000"/>
+              </a:srgbClr>
+            </a:outerShdw>
+          </a:effectLst>
+        </a:effectStyle>
+        <a:effectStyle>
+          <a:effectLst>
+            <a:outerShdw blurRad="40000" dist="23000" dir="5400000" rotWithShape="0">
+              <a:srgbClr val="000000">
+                <a:alpha val="35000"/>
+              </a:srgbClr>
+            </a:outerShdw>
+          </a:effectLst>
+        </a:effectStyle>
+        <a:effectStyle>
+          <a:effectLst>
+            <a:outerShdw blurRad="40000" dist="23000" dir="5400000" rotWithShape="0">
+              <a:srgbClr val="000000">
+                <a:alpha val="35000"/>
+              </a:srgbClr>
+            </a:outerShdw>
+          </a:effectLst>
+          <a:scene3d>
+            <a:camera prst="orthographicFront">
+              <a:rot lat="0" lon="0" rev="0"/>
+            </a:camera>
+            <a:lightRig rig="threePt" dir="t">
+              <a:rot lat="0" lon="0" rev="1200000"/>
+            </a:lightRig>
+          </a:scene3d>
+          <a:sp3d>
+            <a:bevelT w="63500" h="25400"/>
+          </a:sp3d>
+        </a:effectStyle>
+      </a:effectStyleLst>
+      <a:bgFillStyleLst>
+        <a:solidFill>
+          <a:schemeClr val="phClr"/>
+        </a:solidFill>
+        <a:gradFill rotWithShape="1">
+          <a:gsLst>
+            <a:gs pos="0">
+              <a:schemeClr val="phClr">
+                <a:tint val="40000"/>
+                <a:satMod val="350000"/>
+              </a:schemeClr>
+            </a:gs>
+            <a:gs pos="40000">
+              <a:schemeClr val="phClr">
+                <a:tint val="45000"/>
+                <a:shade val="99000"/>
+                <a:satMod val="350000"/>
+              </a:schemeClr>
+            </a:gs>
+            <a:gs pos="100000">
+              <a:schemeClr val="phClr">
+                <a:shade val="20000"/>
+                <a:satMod val="255000"/>
+              </a:schemeClr>
+            </a:gs>
+          </a:gsLst>
+          <a:path path="circle">
+            <a:fillToRect l="50000" t="-80000" r="50000" b="180000"/>
+          </a:path>
+        </a:gradFill>
+        <a:gradFill rotWithShape="1">
+          <a:gsLst>
+            <a:gs pos="0">
+              <a:schemeClr val="phClr">
+                <a:tint val="80000"/>
+                <a:satMod val="300000"/>
+              </a:schemeClr>
+            </a:gs>
+            <a:gs pos="100000">
+              <a:schemeClr val="phClr">
+                <a:shade val="30000"/>
+                <a:satMod val="200000"/>
+              </a:schemeClr>
+            </a:gs>
+          </a:gsLst>
+          <a:path path="circle">
+            <a:fillToRect l="50000" t="50000" r="50000" b="50000"/>
+          </a:path>
+        </a:gradFill>
+      </a:bgFillStyleLst>
+    </a:fmtScheme>
+  </a:themeElements>
+</a:theme>
+</file>
+
+<file path=ppt/theme/theme1.xml><?xml version="1.0" encoding="utf-8"?>
 <a:theme xmlns:a="http://schemas.openxmlformats.org/drawingml/2006/main" xmlns:r="http://schemas.openxmlformats.org/officeDocument/2006/relationships" name="simple-light-2">
   <a:themeElements>
     <a:clrScheme name="Simple Light">
@@ -5135,283 +5384,4 @@
     </a:fmtScheme>
   </a:themeElements>
 </a:theme>
-</file>
-
-<file path=ppt/theme/theme1.xml><?xml version="1.0" encoding="utf-8"?>
-<a:theme xmlns:a="http://schemas.openxmlformats.org/drawingml/2006/main" xmlns:r="http://schemas.openxmlformats.org/officeDocument/2006/relationships" name="Custom Theme">
-  <a:themeElements>
-    <a:clrScheme name="Default">
-      <a:dk1>
-        <a:srgbClr val="000000"/>
-      </a:dk1>
-      <a:lt1>
-        <a:srgbClr val="FFFFFF"/>
-      </a:lt1>
-      <a:dk2>
-        <a:srgbClr val="158158"/>
-      </a:dk2>
-      <a:lt2>
-        <a:srgbClr val="F3F3F3"/>
-      </a:lt2>
-      <a:accent1>
-        <a:srgbClr val="058DC7"/>
-      </a:accent1>
-      <a:accent2>
-        <a:srgbClr val="50B432"/>
-      </a:accent2>
-      <a:accent3>
-        <a:srgbClr val="ED561B"/>
-      </a:accent3>
-      <a:accent4>
-        <a:srgbClr val="EDEF00"/>
-      </a:accent4>
-      <a:accent5>
-        <a:srgbClr val="24CBE5"/>
-      </a:accent5>
-      <a:accent6>
-        <a:srgbClr val="64E572"/>
-      </a:accent6>
-      <a:hlink>
-        <a:srgbClr val="2200CC"/>
-      </a:hlink>
-      <a:folHlink>
-        <a:srgbClr val="551A8B"/>
-      </a:folHlink>
-    </a:clrScheme>
-    <a:fontScheme name="Office">
-      <a:majorFont>
-        <a:latin typeface="Arial"/>
-        <a:ea typeface=""/>
-        <a:cs typeface=""/>
-        <a:font script="Jpan" typeface="ＭＳ Ｐゴシック"/>
-        <a:font script="Hang" typeface="맑은 고딕"/>
-        <a:font script="Hans" typeface="宋体"/>
-        <a:font script="Hant" typeface="新細明體"/>
-        <a:font script="Arab" typeface="Times New Roman"/>
-        <a:font script="Hebr" typeface="Times New Roman"/>
-        <a:font script="Thai" typeface="Angsana New"/>
-        <a:font script="Ethi" typeface="Nyala"/>
-        <a:font script="Beng" typeface="Vrinda"/>
-        <a:font script="Gujr" typeface="Shruti"/>
-        <a:font script="Khmr" typeface="MoolBoran"/>
-        <a:font script="Knda" typeface="Tunga"/>
-        <a:font script="Guru" typeface="Raavi"/>
-        <a:font script="Cans" typeface="Euphemia"/>
-        <a:font script="Cher" typeface="Plantagenet Cherokee"/>
-        <a:font script="Yiii" typeface="Microsoft Yi Baiti"/>
-        <a:font script="Tibt" typeface="Microsoft Himalaya"/>
-        <a:font script="Thaa" typeface="MV Boli"/>
-        <a:font script="Deva" typeface="Mangal"/>
-        <a:font script="Telu" typeface="Gautami"/>
-        <a:font script="Taml" typeface="Latha"/>
-        <a:font script="Syrc" typeface="Estrangelo Edessa"/>
-        <a:font script="Orya" typeface="Kalinga"/>
-        <a:font script="Mlym" typeface="Kartika"/>
-        <a:font script="Laoo" typeface="DokChampa"/>
-        <a:font script="Sinh" typeface="Iskoola Pota"/>
-        <a:font script="Mong" typeface="Mongolian Baiti"/>
-        <a:font script="Viet" typeface="Times New Roman"/>
-        <a:font script="Uigh" typeface="Microsoft Uighur"/>
-        <a:font script="Geor" typeface="Sylfaen"/>
-      </a:majorFont>
-      <a:minorFont>
-        <a:latin typeface="Arial"/>
-        <a:ea typeface=""/>
-        <a:cs typeface=""/>
-        <a:font script="Jpan" typeface="ＭＳ Ｐゴシック"/>
-        <a:font script="Hang" typeface="맑은 고딕"/>
-        <a:font script="Hans" typeface="宋体"/>
-        <a:font script="Hant" typeface="新細明體"/>
-        <a:font script="Arab" typeface="Arial"/>
-        <a:font script="Hebr" typeface="Arial"/>
-        <a:font script="Thai" typeface="Cordia New"/>
-        <a:font script="Ethi" typeface="Nyala"/>
-        <a:font script="Beng" typeface="Vrinda"/>
-        <a:font script="Gujr" typeface="Shruti"/>
-        <a:font script="Khmr" typeface="DaunPenh"/>
-        <a:font script="Knda" typeface="Tunga"/>
-        <a:font script="Guru" typeface="Raavi"/>
-        <a:font script="Cans" typeface="Euphemia"/>
-        <a:font script="Cher" typeface="Plantagenet Cherokee"/>
-        <a:font script="Yiii" typeface="Microsoft Yi Baiti"/>
-        <a:font script="Tibt" typeface="Microsoft Himalaya"/>
-        <a:font script="Thaa" typeface="MV Boli"/>
-        <a:font script="Deva" typeface="Mangal"/>
-        <a:font script="Telu" typeface="Gautami"/>
-        <a:font script="Taml" typeface="Latha"/>
-        <a:font script="Syrc" typeface="Estrangelo Edessa"/>
-        <a:font script="Orya" typeface="Kalinga"/>
-        <a:font script="Mlym" typeface="Kartika"/>
-        <a:font script="Laoo" typeface="DokChampa"/>
-        <a:font script="Sinh" typeface="Iskoola Pota"/>
-        <a:font script="Mong" typeface="Mongolian Baiti"/>
-        <a:font script="Viet" typeface="Arial"/>
-        <a:font script="Uigh" typeface="Microsoft Uighur"/>
-        <a:font script="Geor" typeface="Sylfaen"/>
-      </a:minorFont>
-    </a:fontScheme>
-    <a:fmtScheme name="Office">
-      <a:fillStyleLst>
-        <a:solidFill>
-          <a:schemeClr val="phClr"/>
-        </a:solidFill>
-        <a:gradFill rotWithShape="1">
-          <a:gsLst>
-            <a:gs pos="0">
-              <a:schemeClr val="phClr">
-                <a:tint val="50000"/>
-                <a:satMod val="300000"/>
-              </a:schemeClr>
-            </a:gs>
-            <a:gs pos="35000">
-              <a:schemeClr val="phClr">
-                <a:tint val="37000"/>
-                <a:satMod val="300000"/>
-              </a:schemeClr>
-            </a:gs>
-            <a:gs pos="100000">
-              <a:schemeClr val="phClr">
-                <a:tint val="15000"/>
-                <a:satMod val="350000"/>
-              </a:schemeClr>
-            </a:gs>
-          </a:gsLst>
-          <a:lin ang="16200000" scaled="1"/>
-        </a:gradFill>
-        <a:gradFill rotWithShape="1">
-          <a:gsLst>
-            <a:gs pos="0">
-              <a:schemeClr val="phClr">
-                <a:tint val="100000"/>
-                <a:shade val="100000"/>
-                <a:satMod val="130000"/>
-              </a:schemeClr>
-            </a:gs>
-            <a:gs pos="100000">
-              <a:schemeClr val="phClr">
-                <a:tint val="50000"/>
-                <a:shade val="100000"/>
-                <a:satMod val="350000"/>
-              </a:schemeClr>
-            </a:gs>
-          </a:gsLst>
-          <a:lin ang="16200000" scaled="0"/>
-        </a:gradFill>
-      </a:fillStyleLst>
-      <a:lnStyleLst>
-        <a:ln w="9525" cap="flat" cmpd="sng" algn="ctr">
-          <a:solidFill>
-            <a:schemeClr val="phClr">
-              <a:shade val="95000"/>
-              <a:satMod val="105000"/>
-            </a:schemeClr>
-          </a:solidFill>
-          <a:prstDash val="solid"/>
-        </a:ln>
-        <a:ln w="25400" cap="flat" cmpd="sng" algn="ctr">
-          <a:solidFill>
-            <a:schemeClr val="phClr"/>
-          </a:solidFill>
-          <a:prstDash val="solid"/>
-        </a:ln>
-        <a:ln w="38100" cap="flat" cmpd="sng" algn="ctr">
-          <a:solidFill>
-            <a:schemeClr val="phClr"/>
-          </a:solidFill>
-          <a:prstDash val="solid"/>
-        </a:ln>
-      </a:lnStyleLst>
-      <a:effectStyleLst>
-        <a:effectStyle>
-          <a:effectLst>
-            <a:outerShdw blurRad="40000" dist="20000" dir="5400000" rotWithShape="0">
-              <a:srgbClr val="000000">
-                <a:alpha val="38000"/>
-              </a:srgbClr>
-            </a:outerShdw>
-          </a:effectLst>
-        </a:effectStyle>
-        <a:effectStyle>
-          <a:effectLst>
-            <a:outerShdw blurRad="40000" dist="23000" dir="5400000" rotWithShape="0">
-              <a:srgbClr val="000000">
-                <a:alpha val="35000"/>
-              </a:srgbClr>
-            </a:outerShdw>
-          </a:effectLst>
-        </a:effectStyle>
-        <a:effectStyle>
-          <a:effectLst>
-            <a:outerShdw blurRad="40000" dist="23000" dir="5400000" rotWithShape="0">
-              <a:srgbClr val="000000">
-                <a:alpha val="35000"/>
-              </a:srgbClr>
-            </a:outerShdw>
-          </a:effectLst>
-          <a:scene3d>
-            <a:camera prst="orthographicFront">
-              <a:rot lat="0" lon="0" rev="0"/>
-            </a:camera>
-            <a:lightRig rig="threePt" dir="t">
-              <a:rot lat="0" lon="0" rev="1200000"/>
-            </a:lightRig>
-          </a:scene3d>
-          <a:sp3d>
-            <a:bevelT w="63500" h="25400"/>
-          </a:sp3d>
-        </a:effectStyle>
-      </a:effectStyleLst>
-      <a:bgFillStyleLst>
-        <a:solidFill>
-          <a:schemeClr val="phClr"/>
-        </a:solidFill>
-        <a:gradFill rotWithShape="1">
-          <a:gsLst>
-            <a:gs pos="0">
-              <a:schemeClr val="phClr">
-                <a:tint val="40000"/>
-                <a:satMod val="350000"/>
-              </a:schemeClr>
-            </a:gs>
-            <a:gs pos="40000">
-              <a:schemeClr val="phClr">
-                <a:tint val="45000"/>
-                <a:shade val="99000"/>
-                <a:satMod val="350000"/>
-              </a:schemeClr>
-            </a:gs>
-            <a:gs pos="100000">
-              <a:schemeClr val="phClr">
-                <a:shade val="20000"/>
-                <a:satMod val="255000"/>
-              </a:schemeClr>
-            </a:gs>
-          </a:gsLst>
-          <a:path path="circle">
-            <a:fillToRect l="50000" t="-80000" r="50000" b="180000"/>
-          </a:path>
-        </a:gradFill>
-        <a:gradFill rotWithShape="1">
-          <a:gsLst>
-            <a:gs pos="0">
-              <a:schemeClr val="phClr">
-                <a:tint val="80000"/>
-                <a:satMod val="300000"/>
-              </a:schemeClr>
-            </a:gs>
-            <a:gs pos="100000">
-              <a:schemeClr val="phClr">
-                <a:shade val="30000"/>
-                <a:satMod val="200000"/>
-              </a:schemeClr>
-            </a:gs>
-          </a:gsLst>
-          <a:path path="circle">
-            <a:fillToRect l="50000" t="50000" r="50000" b="50000"/>
-          </a:path>
-        </a:gradFill>
-      </a:bgFillStyleLst>
-    </a:fmtScheme>
-  </a:themeElements>
-</a:theme>
 </file>